--- a/slides/Tag-2_3-GitLab-Runner.pptx
+++ b/slides/Tag-2_3-GitLab-Runner.pptx
@@ -12,9 +12,9 @@
     <p:handoutMasterId r:id="rId105"/>
   </p:handoutMasterIdLst>
   <p:sldIdLst>
-    <p:sldId id="288" r:id="rId3"/>
-    <p:sldId id="289" r:id="rId4"/>
-    <p:sldId id="291" r:id="rId5"/>
+    <p:sldId id="726" r:id="rId3"/>
+    <p:sldId id="727" r:id="rId4"/>
+    <p:sldId id="728" r:id="rId5"/>
     <p:sldId id="596" r:id="rId6"/>
     <p:sldId id="599" r:id="rId7"/>
     <p:sldId id="600" r:id="rId8"/>
@@ -10975,7 +10975,7 @@
                 </a:solidFill>
                 <a:latin typeface="Arial" charset="0"/>
               </a:rPr>
-              <a:t>&lt;Autor&gt;</a:t>
+              <a:t>Daniel Krämer &amp; Malte Fischer</a:t>
             </a:r>
           </a:p>
         </p:txBody>
@@ -10997,7 +10997,7 @@
         <p:spPr bwMode="auto">
           <a:xfrm>
             <a:off x="4252913" y="6424613"/>
-            <a:ext cx="1891865" cy="246221"/>
+            <a:ext cx="1814920" cy="246221"/>
           </a:xfrm>
           <a:prstGeom prst="rect">
             <a:avLst/>
@@ -11021,13 +11021,13 @@
               <a:defRPr/>
             </a:pPr>
             <a:r>
-              <a:rPr lang="de-DE" sz="1000" dirty="0">
+              <a:rPr lang="de-DE" sz="1000">
                 <a:solidFill>
                   <a:schemeClr val="bg1"/>
                 </a:solidFill>
                 <a:latin typeface="Arial" charset="0"/>
               </a:rPr>
-              <a:t>Tag-3_2_1-GitLab-Runner.ppt</a:t>
+              <a:t>Tag-2_3-GitLab-Runner.pptx</a:t>
             </a:r>
             <a:endParaRPr lang="de-DE" dirty="0">
               <a:solidFill>
@@ -12581,7 +12581,7 @@
         <p:spPr bwMode="auto">
           <a:xfrm>
             <a:off x="468313" y="2562225"/>
-            <a:ext cx="4967287" cy="938213"/>
+            <a:ext cx="5471839" cy="938213"/>
           </a:xfrm>
           <a:prstGeom prst="rect">
             <a:avLst/>
@@ -12614,7 +12614,15 @@
             <a:pPr algn="l" eaLnBrk="1" hangingPunct="1"/>
             <a:r>
               <a:rPr lang="de-DE" altLang="de-DE" sz="3200" dirty="0"/>
-              <a:t>Tag 3: Docker, </a:t>
+              <a:t>Tag 2: Vertiefung </a:t>
+            </a:r>
+            <a:r>
+              <a:rPr lang="de-DE" altLang="de-DE" sz="3200" dirty="0" err="1"/>
+              <a:t>Git</a:t>
+            </a:r>
+            <a:r>
+              <a:rPr lang="de-DE" altLang="de-DE" sz="3200" dirty="0"/>
+              <a:t>-Workflow, CI/CD &amp; </a:t>
             </a:r>
             <a:r>
               <a:rPr lang="de-DE" altLang="de-DE" sz="3200" dirty="0" err="1"/>
@@ -12622,15 +12630,7 @@
             </a:r>
             <a:r>
               <a:rPr lang="de-DE" altLang="de-DE" sz="3200" dirty="0"/>
-              <a:t> CI &amp; </a:t>
-            </a:r>
-            <a:r>
-              <a:rPr lang="de-DE" altLang="de-DE" sz="3200" dirty="0" err="1"/>
-              <a:t>Deployment</a:t>
-            </a:r>
-            <a:r>
-              <a:rPr lang="de-DE" altLang="de-DE" sz="3200" dirty="0"/>
-              <a:t>-Strategien</a:t>
+              <a:t> CI </a:t>
             </a:r>
           </a:p>
         </p:txBody>
@@ -12653,8 +12653,8 @@
         </p:nvSpPr>
         <p:spPr bwMode="auto">
           <a:xfrm>
-            <a:off x="468313" y="4462463"/>
-            <a:ext cx="2159000" cy="622300"/>
+            <a:off x="468312" y="4462463"/>
+            <a:ext cx="4190603" cy="622300"/>
           </a:xfrm>
           <a:prstGeom prst="rect">
             <a:avLst/>
@@ -12689,8 +12689,8 @@
               <a:buNone/>
             </a:pPr>
             <a:r>
-              <a:rPr lang="de-DE" altLang="de-DE" sz="1600"/>
-              <a:t>&lt;Datum, Autor&gt;</a:t>
+              <a:rPr lang="de-DE" altLang="de-DE" sz="1600" dirty="0"/>
+              <a:t>18.06.2024, Daniel Krämer &amp; Malte Fischer</a:t>
             </a:r>
           </a:p>
         </p:txBody>
@@ -12843,18 +12843,54 @@
           </a:lstStyle>
           <a:p>
             <a:pPr eaLnBrk="1" hangingPunct="1"/>
-            <a:r>
-              <a:rPr lang="de-DE" altLang="de-DE" sz="4400">
-                <a:solidFill>
-                  <a:schemeClr val="tx2"/>
-                </a:solidFill>
-                <a:latin typeface="Arial" panose="020B0604020202020204" pitchFamily="34" charset="0"/>
-              </a:rPr>
-              <a:t>&lt;Kundenlogo&gt;</a:t>
-            </a:r>
+            <a:endParaRPr lang="de-DE" altLang="de-DE" sz="4400" dirty="0">
+              <a:solidFill>
+                <a:schemeClr val="tx2"/>
+              </a:solidFill>
+              <a:latin typeface="Arial" panose="020B0604020202020204" pitchFamily="34" charset="0"/>
+            </a:endParaRPr>
           </a:p>
         </p:txBody>
       </p:sp>
+      <p:pic>
+        <p:nvPicPr>
+          <p:cNvPr id="3" name="Grafik 2">
+            <a:extLst>
+              <a:ext uri="{FF2B5EF4-FFF2-40B4-BE49-F238E27FC236}">
+                <a16:creationId xmlns:a16="http://schemas.microsoft.com/office/drawing/2014/main" id="{F795EC6A-86ED-78D6-3916-EC81E8315965}"/>
+              </a:ext>
+            </a:extLst>
+          </p:cNvPr>
+          <p:cNvPicPr>
+            <a:picLocks noChangeAspect="1"/>
+          </p:cNvPicPr>
+          <p:nvPr/>
+        </p:nvPicPr>
+        <p:blipFill>
+          <a:blip r:embed="rId2">
+            <a:extLst>
+              <a:ext uri="{28A0092B-C50C-407E-A947-70E740481C1C}">
+                <a14:useLocalDpi xmlns:a14="http://schemas.microsoft.com/office/drawing/2010/main" val="0"/>
+              </a:ext>
+              <a:ext uri="{96DAC541-7B7A-43D3-8B79-37D633B846F1}">
+                <asvg:svgBlip xmlns:asvg="http://schemas.microsoft.com/office/drawing/2016/SVG/main" r:embed="rId3"/>
+              </a:ext>
+            </a:extLst>
+          </a:blip>
+          <a:stretch>
+            <a:fillRect/>
+          </a:stretch>
+        </p:blipFill>
+        <p:spPr>
+          <a:xfrm>
+            <a:off x="309959" y="263970"/>
+            <a:ext cx="4348957" cy="1508822"/>
+          </a:xfrm>
+          <a:prstGeom prst="rect">
+            <a:avLst/>
+          </a:prstGeom>
+        </p:spPr>
+      </p:pic>
     </p:spTree>
   </p:cSld>
   <p:clrMapOvr>
@@ -15173,13 +15209,6 @@
               <a:buFont typeface="Arial" panose="020B0604020202020204" pitchFamily="34" charset="0"/>
               <a:buChar char="•"/>
             </a:pPr>
-            <a:endParaRPr lang="de-DE" altLang="de-DE" sz="1800" b="1" dirty="0"/>
-          </a:p>
-          <a:p>
-            <a:pPr>
-              <a:buFont typeface="Arial" panose="020B0604020202020204" pitchFamily="34" charset="0"/>
-              <a:buChar char="•"/>
-            </a:pPr>
             <a:r>
               <a:rPr lang="de-DE" altLang="de-DE" sz="1800" b="1" dirty="0"/>
               <a:t>Tag 1 – Einführung in </a:t>
@@ -15232,15 +15261,37 @@
               <a:rPr lang="de-DE" altLang="de-DE" sz="1400" dirty="0" err="1"/>
               <a:t>Git</a:t>
             </a:r>
+            <a:endParaRPr lang="de-DE" altLang="de-DE" sz="1400" dirty="0"/>
+          </a:p>
+          <a:p>
+            <a:pPr lvl="1">
+              <a:buFont typeface="Arial" panose="020B0604020202020204" pitchFamily="34" charset="0"/>
+              <a:buChar char="•"/>
+            </a:pPr>
+            <a:r>
+              <a:rPr lang="de-DE" altLang="de-DE" sz="1400" dirty="0" err="1"/>
+              <a:t>Git</a:t>
+            </a:r>
+            <a:r>
+              <a:rPr lang="de-DE" altLang="de-DE" sz="1400" dirty="0"/>
+              <a:t> </a:t>
+            </a:r>
+            <a:r>
+              <a:rPr lang="de-DE" altLang="de-DE" sz="1400" dirty="0" err="1"/>
+              <a:t>Rebase</a:t>
+            </a:r>
             <a:r>
               <a:rPr lang="de-DE" altLang="de-DE" sz="1400" dirty="0"/>
               <a:t> und </a:t>
             </a:r>
             <a:r>
               <a:rPr lang="de-DE" altLang="de-DE" sz="1400" dirty="0" err="1"/>
-              <a:t>GitLab</a:t>
-            </a:r>
-            <a:endParaRPr lang="de-DE" altLang="de-DE" sz="1400" dirty="0"/>
+              <a:t>Merge</a:t>
+            </a:r>
+            <a:r>
+              <a:rPr lang="de-DE" altLang="de-DE" sz="1400" dirty="0"/>
+              <a:t>-Strategien</a:t>
+            </a:r>
           </a:p>
           <a:p>
             <a:pPr lvl="1">
@@ -15253,24 +15304,23 @@
             </a:r>
             <a:r>
               <a:rPr lang="de-DE" altLang="de-DE" sz="1400" dirty="0"/>
-              <a:t> </a:t>
+              <a:t> Remote</a:t>
+            </a:r>
+          </a:p>
+          <a:p>
+            <a:pPr lvl="1">
+              <a:buFont typeface="Arial" panose="020B0604020202020204" pitchFamily="34" charset="0"/>
+              <a:buChar char="•"/>
+            </a:pPr>
+            <a:r>
+              <a:rPr lang="de-DE" altLang="de-DE" sz="1400" dirty="0"/>
+              <a:t>Grundlagen von </a:t>
             </a:r>
             <a:r>
               <a:rPr lang="de-DE" altLang="de-DE" sz="1400" dirty="0" err="1"/>
-              <a:t>Rebase</a:t>
-            </a:r>
-            <a:r>
-              <a:rPr lang="de-DE" altLang="de-DE" sz="1400" dirty="0"/>
-              <a:t> &amp; </a:t>
-            </a:r>
-            <a:r>
-              <a:rPr lang="de-DE" altLang="de-DE" sz="1400" dirty="0" err="1"/>
-              <a:t>Merge</a:t>
-            </a:r>
-            <a:r>
-              <a:rPr lang="de-DE" altLang="de-DE" sz="1400" dirty="0"/>
-              <a:t>-Strategien</a:t>
-            </a:r>
+              <a:t>GitLab</a:t>
+            </a:r>
+            <a:endParaRPr lang="de-DE" altLang="de-DE" sz="1400" dirty="0"/>
           </a:p>
           <a:p>
             <a:pPr lvl="1">
@@ -15287,13 +15337,6 @@
             </a:r>
           </a:p>
           <a:p>
-            <a:pPr lvl="1">
-              <a:buFont typeface="Arial" panose="020B0604020202020204" pitchFamily="34" charset="0"/>
-              <a:buChar char="•"/>
-            </a:pPr>
-            <a:endParaRPr lang="de-DE" altLang="de-DE" sz="1400" dirty="0"/>
-          </a:p>
-          <a:p>
             <a:pPr>
               <a:buFont typeface="Arial" panose="020B0604020202020204" pitchFamily="34" charset="0"/>
               <a:buChar char="•"/>
@@ -15312,9 +15355,12 @@
             </a:r>
             <a:r>
               <a:rPr lang="de-DE" altLang="de-DE" sz="1800" b="1" dirty="0" err="1"/>
-              <a:t>GitOps</a:t>
-            </a:r>
-            <a:endParaRPr lang="de-DE" altLang="de-DE" sz="1800" b="1" dirty="0"/>
+              <a:t>GitLab</a:t>
+            </a:r>
+            <a:r>
+              <a:rPr lang="de-DE" altLang="de-DE" sz="1800" b="1" dirty="0"/>
+              <a:t> CI </a:t>
+            </a:r>
           </a:p>
           <a:p>
             <a:pPr lvl="1">
@@ -15346,6 +15392,20 @@
               <a:buChar char="•"/>
             </a:pPr>
             <a:r>
+              <a:rPr lang="de-DE" altLang="de-DE" sz="1400" dirty="0" err="1"/>
+              <a:t>GitLab</a:t>
+            </a:r>
+            <a:r>
+              <a:rPr lang="de-DE" altLang="de-DE" sz="1400" dirty="0"/>
+              <a:t>-Runner</a:t>
+            </a:r>
+          </a:p>
+          <a:p>
+            <a:pPr lvl="1">
+              <a:buFont typeface="Arial" panose="020B0604020202020204" pitchFamily="34" charset="0"/>
+              <a:buChar char="•"/>
+            </a:pPr>
+            <a:r>
               <a:rPr lang="de-DE" altLang="de-DE" sz="1400" dirty="0"/>
               <a:t>Einführung in </a:t>
             </a:r>
@@ -15364,51 +15424,43 @@
             <a:endParaRPr lang="de-DE" altLang="de-DE" sz="1400" dirty="0"/>
           </a:p>
           <a:p>
+            <a:pPr>
+              <a:buFont typeface="Arial" panose="020B0604020202020204" pitchFamily="34" charset="0"/>
+              <a:buChar char="•"/>
+            </a:pPr>
+            <a:r>
+              <a:rPr lang="de-DE" altLang="de-DE" sz="1800" b="1" dirty="0"/>
+              <a:t>Tag 3 – </a:t>
+            </a:r>
+            <a:r>
+              <a:rPr lang="de-DE" altLang="de-DE" sz="1800" b="1" dirty="0" err="1"/>
+              <a:t>GitOps</a:t>
+            </a:r>
+            <a:r>
+              <a:rPr lang="de-DE" altLang="de-DE" sz="1800" b="1" dirty="0"/>
+              <a:t>, Docker in der Entwicklung und </a:t>
+            </a:r>
+            <a:r>
+              <a:rPr lang="de-DE" altLang="de-DE" sz="1800" b="1" dirty="0" err="1"/>
+              <a:t>Deployment</a:t>
+            </a:r>
+            <a:r>
+              <a:rPr lang="de-DE" altLang="de-DE" sz="1800" b="1" dirty="0"/>
+              <a:t>-Strategien</a:t>
+            </a:r>
+          </a:p>
+          <a:p>
             <a:pPr lvl="1">
               <a:buFont typeface="Arial" panose="020B0604020202020204" pitchFamily="34" charset="0"/>
               <a:buChar char="•"/>
             </a:pPr>
-            <a:r>
-              <a:rPr lang="de-DE" altLang="de-DE" sz="1400" dirty="0"/>
-              <a:t>Grundlagen von </a:t>
-            </a:r>
             <a:r>
               <a:rPr lang="de-DE" altLang="de-DE" sz="1400" dirty="0" err="1"/>
               <a:t>GitOps</a:t>
             </a:r>
-            <a:endParaRPr lang="de-DE" altLang="de-DE" sz="1400" dirty="0"/>
-          </a:p>
-          <a:p>
-            <a:pPr lvl="1">
-              <a:buFont typeface="Arial" panose="020B0604020202020204" pitchFamily="34" charset="0"/>
-              <a:buChar char="•"/>
-            </a:pPr>
-            <a:endParaRPr lang="de-DE" altLang="de-DE" sz="1400" dirty="0"/>
-          </a:p>
-          <a:p>
-            <a:pPr>
-              <a:buFont typeface="Arial" panose="020B0604020202020204" pitchFamily="34" charset="0"/>
-              <a:buChar char="•"/>
-            </a:pPr>
-            <a:r>
-              <a:rPr lang="de-DE" altLang="de-DE" sz="1800" b="1" dirty="0"/>
-              <a:t>Tag 3 – Docker in der Entwicklung, </a:t>
-            </a:r>
-            <a:r>
-              <a:rPr lang="de-DE" altLang="de-DE" sz="1800" b="1" dirty="0" err="1"/>
-              <a:t>GitLab</a:t>
-            </a:r>
-            <a:r>
-              <a:rPr lang="de-DE" altLang="de-DE" sz="1800" b="1" dirty="0"/>
-              <a:t> CI und </a:t>
-            </a:r>
-            <a:r>
-              <a:rPr lang="de-DE" altLang="de-DE" sz="1800" b="1" dirty="0" err="1"/>
-              <a:t>Deployment</a:t>
-            </a:r>
-            <a:r>
-              <a:rPr lang="de-DE" altLang="de-DE" sz="1800" b="1" dirty="0"/>
-              <a:t>-Strategien</a:t>
+            <a:r>
+              <a:rPr lang="de-DE" altLang="de-DE" sz="1400" dirty="0"/>
+              <a:t> Grundlagen</a:t>
             </a:r>
           </a:p>
           <a:p>
@@ -15427,12 +15479,8 @@
               <a:buChar char="•"/>
             </a:pPr>
             <a:r>
-              <a:rPr lang="de-DE" altLang="de-DE" sz="1400" dirty="0" err="1"/>
-              <a:t>GitLab</a:t>
-            </a:r>
-            <a:r>
               <a:rPr lang="de-DE" altLang="de-DE" sz="1400" dirty="0"/>
-              <a:t>-Runner &amp; Docker-Registry</a:t>
+              <a:t>Container/Docker-Registry</a:t>
             </a:r>
           </a:p>
           <a:p>
@@ -15469,6 +15517,16 @@
             <a:r>
               <a:rPr lang="de-DE" altLang="de-DE" sz="1400" dirty="0"/>
               <a:t> &amp; Verwaltung von Konfiguration</a:t>
+            </a:r>
+          </a:p>
+          <a:p>
+            <a:pPr lvl="1">
+              <a:buFont typeface="Arial" panose="020B0604020202020204" pitchFamily="34" charset="0"/>
+              <a:buChar char="•"/>
+            </a:pPr>
+            <a:r>
+              <a:rPr lang="de-DE" altLang="de-DE" sz="1400" dirty="0"/>
+              <a:t>Abschlussübung &amp; Diskussion</a:t>
             </a:r>
           </a:p>
           <a:p>
@@ -18198,13 +18256,6 @@
               <a:buFont typeface="Arial" panose="020B0604020202020204" pitchFamily="34" charset="0"/>
               <a:buChar char="•"/>
             </a:pPr>
-            <a:endParaRPr lang="de-DE" altLang="de-DE" sz="1800" b="1" dirty="0"/>
-          </a:p>
-          <a:p>
-            <a:pPr>
-              <a:buFont typeface="Arial" panose="020B0604020202020204" pitchFamily="34" charset="0"/>
-              <a:buChar char="•"/>
-            </a:pPr>
             <a:r>
               <a:rPr lang="de-DE" altLang="de-DE" sz="1800" b="1" dirty="0"/>
               <a:t>Tag 1 – Einführung in </a:t>
@@ -18257,15 +18308,37 @@
               <a:rPr lang="de-DE" altLang="de-DE" sz="1400" dirty="0" err="1"/>
               <a:t>Git</a:t>
             </a:r>
+            <a:endParaRPr lang="de-DE" altLang="de-DE" sz="1400" dirty="0"/>
+          </a:p>
+          <a:p>
+            <a:pPr lvl="1">
+              <a:buFont typeface="Arial" panose="020B0604020202020204" pitchFamily="34" charset="0"/>
+              <a:buChar char="•"/>
+            </a:pPr>
+            <a:r>
+              <a:rPr lang="de-DE" altLang="de-DE" sz="1400" dirty="0" err="1"/>
+              <a:t>Git</a:t>
+            </a:r>
+            <a:r>
+              <a:rPr lang="de-DE" altLang="de-DE" sz="1400" dirty="0"/>
+              <a:t> </a:t>
+            </a:r>
+            <a:r>
+              <a:rPr lang="de-DE" altLang="de-DE" sz="1400" dirty="0" err="1"/>
+              <a:t>Rebase</a:t>
+            </a:r>
             <a:r>
               <a:rPr lang="de-DE" altLang="de-DE" sz="1400" dirty="0"/>
               <a:t> und </a:t>
             </a:r>
             <a:r>
               <a:rPr lang="de-DE" altLang="de-DE" sz="1400" dirty="0" err="1"/>
-              <a:t>GitLab</a:t>
-            </a:r>
-            <a:endParaRPr lang="de-DE" altLang="de-DE" sz="1400" dirty="0"/>
+              <a:t>Merge</a:t>
+            </a:r>
+            <a:r>
+              <a:rPr lang="de-DE" altLang="de-DE" sz="1400" dirty="0"/>
+              <a:t>-Strategien</a:t>
+            </a:r>
           </a:p>
           <a:p>
             <a:pPr lvl="1">
@@ -18278,24 +18351,23 @@
             </a:r>
             <a:r>
               <a:rPr lang="de-DE" altLang="de-DE" sz="1400" dirty="0"/>
-              <a:t> </a:t>
+              <a:t> Remote</a:t>
+            </a:r>
+          </a:p>
+          <a:p>
+            <a:pPr lvl="1">
+              <a:buFont typeface="Arial" panose="020B0604020202020204" pitchFamily="34" charset="0"/>
+              <a:buChar char="•"/>
+            </a:pPr>
+            <a:r>
+              <a:rPr lang="de-DE" altLang="de-DE" sz="1400" dirty="0"/>
+              <a:t>Grundlagen von </a:t>
             </a:r>
             <a:r>
               <a:rPr lang="de-DE" altLang="de-DE" sz="1400" dirty="0" err="1"/>
-              <a:t>Rebase</a:t>
-            </a:r>
-            <a:r>
-              <a:rPr lang="de-DE" altLang="de-DE" sz="1400" dirty="0"/>
-              <a:t> &amp; </a:t>
-            </a:r>
-            <a:r>
-              <a:rPr lang="de-DE" altLang="de-DE" sz="1400" dirty="0" err="1"/>
-              <a:t>Merge</a:t>
-            </a:r>
-            <a:r>
-              <a:rPr lang="de-DE" altLang="de-DE" sz="1400" dirty="0"/>
-              <a:t>-Strategien</a:t>
-            </a:r>
+              <a:t>GitLab</a:t>
+            </a:r>
+            <a:endParaRPr lang="de-DE" altLang="de-DE" sz="1400" dirty="0"/>
           </a:p>
           <a:p>
             <a:pPr lvl="1">
@@ -18312,13 +18384,6 @@
             </a:r>
           </a:p>
           <a:p>
-            <a:pPr lvl="1">
-              <a:buFont typeface="Arial" panose="020B0604020202020204" pitchFamily="34" charset="0"/>
-              <a:buChar char="•"/>
-            </a:pPr>
-            <a:endParaRPr lang="de-DE" altLang="de-DE" sz="1400" dirty="0"/>
-          </a:p>
-          <a:p>
             <a:pPr>
               <a:buFont typeface="Arial" panose="020B0604020202020204" pitchFamily="34" charset="0"/>
               <a:buChar char="•"/>
@@ -18337,9 +18402,12 @@
             </a:r>
             <a:r>
               <a:rPr lang="de-DE" altLang="de-DE" sz="1800" b="1" dirty="0" err="1"/>
-              <a:t>GitOps</a:t>
-            </a:r>
-            <a:endParaRPr lang="de-DE" altLang="de-DE" sz="1800" b="1" dirty="0"/>
+              <a:t>GitLab</a:t>
+            </a:r>
+            <a:r>
+              <a:rPr lang="de-DE" altLang="de-DE" sz="1800" b="1" dirty="0"/>
+              <a:t> CI </a:t>
+            </a:r>
           </a:p>
           <a:p>
             <a:pPr lvl="1">
@@ -18371,6 +18439,20 @@
               <a:buChar char="•"/>
             </a:pPr>
             <a:r>
+              <a:rPr lang="de-DE" altLang="de-DE" sz="1400" u="sng" dirty="0" err="1"/>
+              <a:t>GitLab</a:t>
+            </a:r>
+            <a:r>
+              <a:rPr lang="de-DE" altLang="de-DE" sz="1400" u="sng" dirty="0"/>
+              <a:t>-Runner</a:t>
+            </a:r>
+          </a:p>
+          <a:p>
+            <a:pPr lvl="1">
+              <a:buFont typeface="Arial" panose="020B0604020202020204" pitchFamily="34" charset="0"/>
+              <a:buChar char="•"/>
+            </a:pPr>
+            <a:r>
               <a:rPr lang="de-DE" altLang="de-DE" sz="1400" dirty="0"/>
               <a:t>Einführung in </a:t>
             </a:r>
@@ -18389,51 +18471,43 @@
             <a:endParaRPr lang="de-DE" altLang="de-DE" sz="1400" dirty="0"/>
           </a:p>
           <a:p>
+            <a:pPr>
+              <a:buFont typeface="Arial" panose="020B0604020202020204" pitchFamily="34" charset="0"/>
+              <a:buChar char="•"/>
+            </a:pPr>
+            <a:r>
+              <a:rPr lang="de-DE" altLang="de-DE" sz="1800" b="1" dirty="0"/>
+              <a:t>Tag 3 – </a:t>
+            </a:r>
+            <a:r>
+              <a:rPr lang="de-DE" altLang="de-DE" sz="1800" b="1" dirty="0" err="1"/>
+              <a:t>GitOps</a:t>
+            </a:r>
+            <a:r>
+              <a:rPr lang="de-DE" altLang="de-DE" sz="1800" b="1" dirty="0"/>
+              <a:t>, Docker in der Entwicklung und </a:t>
+            </a:r>
+            <a:r>
+              <a:rPr lang="de-DE" altLang="de-DE" sz="1800" b="1" dirty="0" err="1"/>
+              <a:t>Deployment</a:t>
+            </a:r>
+            <a:r>
+              <a:rPr lang="de-DE" altLang="de-DE" sz="1800" b="1" dirty="0"/>
+              <a:t>-Strategien</a:t>
+            </a:r>
+          </a:p>
+          <a:p>
             <a:pPr lvl="1">
               <a:buFont typeface="Arial" panose="020B0604020202020204" pitchFamily="34" charset="0"/>
               <a:buChar char="•"/>
             </a:pPr>
-            <a:r>
-              <a:rPr lang="de-DE" altLang="de-DE" sz="1400" dirty="0"/>
-              <a:t>Grundlagen von </a:t>
-            </a:r>
             <a:r>
               <a:rPr lang="de-DE" altLang="de-DE" sz="1400" dirty="0" err="1"/>
               <a:t>GitOps</a:t>
             </a:r>
-            <a:endParaRPr lang="de-DE" altLang="de-DE" sz="1400" dirty="0"/>
-          </a:p>
-          <a:p>
-            <a:pPr lvl="1">
-              <a:buFont typeface="Arial" panose="020B0604020202020204" pitchFamily="34" charset="0"/>
-              <a:buChar char="•"/>
-            </a:pPr>
-            <a:endParaRPr lang="de-DE" altLang="de-DE" sz="1400" dirty="0"/>
-          </a:p>
-          <a:p>
-            <a:pPr>
-              <a:buFont typeface="Arial" panose="020B0604020202020204" pitchFamily="34" charset="0"/>
-              <a:buChar char="•"/>
-            </a:pPr>
-            <a:r>
-              <a:rPr lang="de-DE" altLang="de-DE" sz="1800" b="1" dirty="0"/>
-              <a:t>Tag 3 – Docker in der Entwicklung, </a:t>
-            </a:r>
-            <a:r>
-              <a:rPr lang="de-DE" altLang="de-DE" sz="1800" b="1" dirty="0" err="1"/>
-              <a:t>GitLab</a:t>
-            </a:r>
-            <a:r>
-              <a:rPr lang="de-DE" altLang="de-DE" sz="1800" b="1" dirty="0"/>
-              <a:t> CI und </a:t>
-            </a:r>
-            <a:r>
-              <a:rPr lang="de-DE" altLang="de-DE" sz="1800" b="1" dirty="0" err="1"/>
-              <a:t>Deployment</a:t>
-            </a:r>
-            <a:r>
-              <a:rPr lang="de-DE" altLang="de-DE" sz="1800" b="1" dirty="0"/>
-              <a:t>-Strategien</a:t>
+            <a:r>
+              <a:rPr lang="de-DE" altLang="de-DE" sz="1400" dirty="0"/>
+              <a:t> Grundlagen</a:t>
             </a:r>
           </a:p>
           <a:p>
@@ -18452,12 +18526,8 @@
               <a:buChar char="•"/>
             </a:pPr>
             <a:r>
-              <a:rPr lang="de-DE" altLang="de-DE" sz="1400" u="sng" dirty="0" err="1"/>
-              <a:t>GitLab</a:t>
-            </a:r>
-            <a:r>
-              <a:rPr lang="de-DE" altLang="de-DE" sz="1400" u="sng" dirty="0"/>
-              <a:t>-Runner &amp; Docker-Registry</a:t>
+              <a:rPr lang="de-DE" altLang="de-DE" sz="1400" dirty="0"/>
+              <a:t>Container/Docker-Registry</a:t>
             </a:r>
           </a:p>
           <a:p>
@@ -18474,7 +18544,7 @@
               <a:t>Tagged</a:t>
             </a:r>
             <a:r>
-              <a:rPr lang="de-DE" altLang="de-DE" sz="1400"/>
+              <a:rPr lang="de-DE" altLang="de-DE" sz="1400" dirty="0"/>
               <a:t>-Images</a:t>
             </a:r>
           </a:p>
@@ -18484,12 +18554,8 @@
               <a:buChar char="•"/>
             </a:pPr>
             <a:r>
-              <a:rPr lang="de-DE" altLang="de-DE" sz="1400"/>
-              <a:t>Möglichkeiten </a:t>
-            </a:r>
-            <a:r>
               <a:rPr lang="de-DE" altLang="de-DE" sz="1400" dirty="0"/>
-              <a:t>des </a:t>
+              <a:t>Möglichkeiten des </a:t>
             </a:r>
             <a:r>
               <a:rPr lang="de-DE" altLang="de-DE" sz="1400" dirty="0" err="1"/>
@@ -18498,6 +18564,16 @@
             <a:r>
               <a:rPr lang="de-DE" altLang="de-DE" sz="1400" dirty="0"/>
               <a:t> &amp; Verwaltung von Konfiguration</a:t>
+            </a:r>
+          </a:p>
+          <a:p>
+            <a:pPr lvl="1">
+              <a:buFont typeface="Arial" panose="020B0604020202020204" pitchFamily="34" charset="0"/>
+              <a:buChar char="•"/>
+            </a:pPr>
+            <a:r>
+              <a:rPr lang="de-DE" altLang="de-DE" sz="1400" dirty="0"/>
+              <a:t>Abschlussübung &amp; Diskussion</a:t>
             </a:r>
           </a:p>
           <a:p>
@@ -18545,7 +18621,7 @@
     </p:spTree>
     <p:extLst>
       <p:ext uri="{BB962C8B-B14F-4D97-AF65-F5344CB8AC3E}">
-        <p14:creationId xmlns:p14="http://schemas.microsoft.com/office/powerpoint/2010/main" val="3071277897"/>
+        <p14:creationId xmlns:p14="http://schemas.microsoft.com/office/powerpoint/2010/main" val="3585178961"/>
       </p:ext>
     </p:extLst>
   </p:cSld>

--- a/slides/Tag-2_3-GitLab-Runner.pptx
+++ b/slides/Tag-2_3-GitLab-Runner.pptx
@@ -34,7 +34,7 @@
     <p:sldId id="612" r:id="rId22"/>
     <p:sldId id="608" r:id="rId23"/>
     <p:sldId id="609" r:id="rId24"/>
-    <p:sldId id="611" r:id="rId25"/>
+    <p:sldId id="729" r:id="rId25"/>
     <p:sldId id="610" r:id="rId26"/>
     <p:sldId id="613" r:id="rId27"/>
     <p:sldId id="615" r:id="rId28"/>
@@ -16679,40 +16679,32 @@
             </a:pPr>
             <a:r>
               <a:rPr lang="de-DE" sz="2000" dirty="0"/>
-              <a:t>Linux: </a:t>
+              <a:t>Auf </a:t>
             </a:r>
             <a:r>
               <a:rPr lang="de-DE" sz="2000" dirty="0" err="1"/>
-              <a:t>sudo</a:t>
+              <a:t>GitLab</a:t>
             </a:r>
             <a:r>
               <a:rPr lang="de-DE" sz="2000" dirty="0"/>
-              <a:t> </a:t>
-            </a:r>
-            <a:r>
-              <a:rPr lang="de-DE" sz="2000" dirty="0" err="1"/>
-              <a:t>gitlab-runner</a:t>
-            </a:r>
-            <a:r>
-              <a:rPr lang="de-DE" sz="2000" dirty="0"/>
-              <a:t> </a:t>
-            </a:r>
-            <a:r>
-              <a:rPr lang="de-DE" sz="2000" dirty="0" err="1"/>
-              <a:t>register</a:t>
-            </a:r>
-            <a:br>
-              <a:rPr lang="de-DE" sz="2000" dirty="0"/>
-            </a:br>
-            <a:r>
-              <a:rPr lang="de-DE" sz="2000" dirty="0"/>
-              <a:t>Windows: ./gitlab-runner.exe </a:t>
-            </a:r>
-            <a:r>
-              <a:rPr lang="de-DE" sz="2000" dirty="0" err="1"/>
-              <a:t>register</a:t>
-            </a:r>
-            <a:endParaRPr lang="de-DE" sz="2000" dirty="0"/>
+              <a:t> zu CI/CD Runner Einstellungen wechseln</a:t>
+            </a:r>
+          </a:p>
+          <a:p>
+            <a:pPr marL="857250" lvl="1" indent="-457200">
+              <a:buFont typeface="+mj-lt"/>
+              <a:buAutoNum type="arabicPeriod"/>
+            </a:pPr>
+            <a:r>
+              <a:rPr lang="de-DE" sz="1800" dirty="0"/>
+              <a:t>Projekt </a:t>
+            </a:r>
+            <a:r>
+              <a:rPr lang="de-DE" sz="1800" dirty="0">
+                <a:sym typeface="Wingdings" panose="05000000000000000000" pitchFamily="2" charset="2"/>
+              </a:rPr>
+              <a:t> Einstellungen  CI/CD  Runners</a:t>
+            </a:r>
           </a:p>
           <a:p>
             <a:pPr marL="457200" indent="-457200">
@@ -16720,16 +16712,34 @@
               <a:buAutoNum type="arabicPeriod"/>
             </a:pPr>
             <a:r>
-              <a:rPr lang="de-DE" sz="2000" dirty="0"/>
-              <a:t>URL zur </a:t>
-            </a:r>
-            <a:r>
-              <a:rPr lang="de-DE" sz="2000" dirty="0" err="1"/>
-              <a:t>GitLab</a:t>
-            </a:r>
-            <a:r>
-              <a:rPr lang="de-DE" sz="2000" dirty="0"/>
-              <a:t> Instanz eingeben</a:t>
+              <a:rPr lang="de-DE" sz="2000" dirty="0">
+                <a:sym typeface="Wingdings" panose="05000000000000000000" pitchFamily="2" charset="2"/>
+              </a:rPr>
+              <a:t>Unter Project Runners auf „New </a:t>
+            </a:r>
+            <a:r>
+              <a:rPr lang="de-DE" sz="2000" dirty="0" err="1">
+                <a:sym typeface="Wingdings" panose="05000000000000000000" pitchFamily="2" charset="2"/>
+              </a:rPr>
+              <a:t>project</a:t>
+            </a:r>
+            <a:r>
+              <a:rPr lang="de-DE" sz="2000" dirty="0">
+                <a:sym typeface="Wingdings" panose="05000000000000000000" pitchFamily="2" charset="2"/>
+              </a:rPr>
+              <a:t> </a:t>
+            </a:r>
+            <a:r>
+              <a:rPr lang="de-DE" sz="2000" dirty="0" err="1">
+                <a:sym typeface="Wingdings" panose="05000000000000000000" pitchFamily="2" charset="2"/>
+              </a:rPr>
+              <a:t>runner</a:t>
+            </a:r>
+            <a:r>
+              <a:rPr lang="de-DE" sz="2000" dirty="0">
+                <a:sym typeface="Wingdings" panose="05000000000000000000" pitchFamily="2" charset="2"/>
+              </a:rPr>
+              <a:t>“ Button klicken</a:t>
             </a:r>
           </a:p>
           <a:p>
@@ -16738,24 +16748,10 @@
               <a:buAutoNum type="arabicPeriod"/>
             </a:pPr>
             <a:r>
-              <a:rPr lang="de-DE" sz="2000" dirty="0"/>
-              <a:t>Authenticator-Token für den Runner eingeben</a:t>
-            </a:r>
-          </a:p>
-          <a:p>
-            <a:pPr marL="857250" lvl="1" indent="-457200">
-              <a:buFont typeface="+mj-lt"/>
-              <a:buAutoNum type="arabicPeriod"/>
-            </a:pPr>
-            <a:r>
-              <a:rPr lang="de-DE" sz="1800" dirty="0"/>
-              <a:t>Projekt </a:t>
-            </a:r>
-            <a:r>
-              <a:rPr lang="de-DE" sz="1800" dirty="0">
+              <a:rPr lang="de-DE" sz="2000" dirty="0">
                 <a:sym typeface="Wingdings" panose="05000000000000000000" pitchFamily="2" charset="2"/>
               </a:rPr>
-              <a:t> Einstellungen  CI/CD  Runners</a:t>
+              <a:t>Tags und Konfiguration für den Runner eingeben (später über die GUI änderbar)</a:t>
             </a:r>
           </a:p>
           <a:p>
@@ -16764,10 +16760,16 @@
               <a:buAutoNum type="arabicPeriod"/>
             </a:pPr>
             <a:r>
-              <a:rPr lang="de-DE" sz="2000" dirty="0">
-                <a:sym typeface="Wingdings" panose="05000000000000000000" pitchFamily="2" charset="2"/>
-              </a:rPr>
-              <a:t>Beschreibung für den Runner eingeben (später über die GUI änderbar)</a:t>
+              <a:rPr lang="de-DE" sz="2000" dirty="0"/>
+              <a:t>Runner über „Create </a:t>
+            </a:r>
+            <a:r>
+              <a:rPr lang="de-DE" sz="2000" dirty="0" err="1"/>
+              <a:t>runner</a:t>
+            </a:r>
+            <a:r>
+              <a:rPr lang="de-DE" sz="2000" dirty="0"/>
+              <a:t>“ erstellen </a:t>
             </a:r>
           </a:p>
           <a:p>
@@ -16777,15 +16779,7 @@
             </a:pPr>
             <a:r>
               <a:rPr lang="de-DE" sz="2000" dirty="0"/>
-              <a:t>Die entsprechenden Tags für den </a:t>
-            </a:r>
-            <a:r>
-              <a:rPr lang="de-DE" sz="2000" dirty="0" err="1"/>
-              <a:t>GitLab</a:t>
-            </a:r>
-            <a:r>
-              <a:rPr lang="de-DE" sz="2000" dirty="0"/>
-              <a:t> Runner</a:t>
+              <a:t>Plattform für Runner auswählen und gegeben Command im Terminal ausführen</a:t>
             </a:r>
           </a:p>
           <a:p>
@@ -16794,12 +16788,16 @@
               <a:buAutoNum type="arabicPeriod"/>
             </a:pPr>
             <a:r>
+              <a:rPr lang="de-DE" sz="2000" dirty="0"/>
+              <a:t>In Konsole Konfiguration und </a:t>
+            </a:r>
+            <a:r>
               <a:rPr lang="de-DE" sz="2000" dirty="0" err="1"/>
               <a:t>Executor</a:t>
             </a:r>
             <a:r>
               <a:rPr lang="de-DE" sz="2000" dirty="0"/>
-              <a:t> (Shell, Docker, …) für den Runner angeben</a:t>
+              <a:t> auswählen (Shell, Docker, …)</a:t>
             </a:r>
           </a:p>
           <a:p>
@@ -16835,7 +16833,32 @@
               <a:buFont typeface="+mj-lt"/>
               <a:buAutoNum type="arabicPeriod"/>
             </a:pPr>
-            <a:endParaRPr lang="de-DE" sz="1600" dirty="0"/>
+            <a:r>
+              <a:rPr lang="de-DE" sz="2000" dirty="0"/>
+              <a:t>Optional: Runner mittels </a:t>
+            </a:r>
+            <a:r>
+              <a:rPr lang="de-DE" sz="2000" dirty="0" err="1">
+                <a:latin typeface="Consolas" panose="020B0609020204030204" pitchFamily="49" charset="0"/>
+              </a:rPr>
+              <a:t>gitlab-runner</a:t>
+            </a:r>
+            <a:r>
+              <a:rPr lang="de-DE" sz="2000" dirty="0">
+                <a:latin typeface="Consolas" panose="020B0609020204030204" pitchFamily="49" charset="0"/>
+              </a:rPr>
+              <a:t> </a:t>
+            </a:r>
+            <a:r>
+              <a:rPr lang="de-DE" sz="2000" dirty="0" err="1">
+                <a:latin typeface="Consolas" panose="020B0609020204030204" pitchFamily="49" charset="0"/>
+              </a:rPr>
+              <a:t>run</a:t>
+            </a:r>
+            <a:r>
+              <a:rPr lang="de-DE" sz="2000" dirty="0"/>
+              <a:t> verifizieren </a:t>
+            </a:r>
           </a:p>
           <a:p>
             <a:pPr marL="457200" indent="-457200">
@@ -16867,7 +16890,7 @@
     </p:spTree>
     <p:extLst>
       <p:ext uri="{BB962C8B-B14F-4D97-AF65-F5344CB8AC3E}">
-        <p14:creationId xmlns:p14="http://schemas.microsoft.com/office/powerpoint/2010/main" val="34263816"/>
+        <p14:creationId xmlns:p14="http://schemas.microsoft.com/office/powerpoint/2010/main" val="413778600"/>
       </p:ext>
     </p:extLst>
   </p:cSld>

--- a/slides/Tag-2_3-GitLab-Runner.pptx
+++ b/slides/Tag-2_3-GitLab-Runner.pptx
@@ -16700,10 +16700,16 @@
               <a:t>Projekt </a:t>
             </a:r>
             <a:r>
+              <a:rPr lang="de-DE" sz="1800">
+                <a:sym typeface="Wingdings" panose="05000000000000000000" pitchFamily="2" charset="2"/>
+              </a:rPr>
+              <a:t> Settings </a:t>
+            </a:r>
+            <a:r>
               <a:rPr lang="de-DE" sz="1800" dirty="0">
                 <a:sym typeface="Wingdings" panose="05000000000000000000" pitchFamily="2" charset="2"/>
               </a:rPr>
-              <a:t> Einstellungen  CI/CD  Runners</a:t>
+              <a:t> CI/CD  Runners</a:t>
             </a:r>
           </a:p>
           <a:p>

--- a/slides/Tag-2_3-GitLab-Runner.pptx
+++ b/slides/Tag-2_3-GitLab-Runner.pptx
@@ -11068,6 +11068,42 @@
           </a:p>
         </p:txBody>
       </p:sp>
+      <p:pic>
+        <p:nvPicPr>
+          <p:cNvPr id="3" name="Grafik 2">
+            <a:extLst>
+              <a:ext uri="{FF2B5EF4-FFF2-40B4-BE49-F238E27FC236}">
+                <a16:creationId xmlns:a16="http://schemas.microsoft.com/office/drawing/2014/main" id="{B5A7B44C-FE4F-E69F-D17E-F407083FAE78}"/>
+              </a:ext>
+            </a:extLst>
+          </p:cNvPr>
+          <p:cNvPicPr>
+            <a:picLocks noChangeAspect="1"/>
+          </p:cNvPicPr>
+          <p:nvPr userDrawn="1"/>
+        </p:nvPicPr>
+        <p:blipFill>
+          <a:blip r:embed="rId7">
+            <a:extLst>
+              <a:ext uri="{28A0092B-C50C-407E-A947-70E740481C1C}">
+                <a14:useLocalDpi xmlns:a14="http://schemas.microsoft.com/office/drawing/2010/main" val="0"/>
+              </a:ext>
+            </a:extLst>
+          </a:blip>
+          <a:stretch>
+            <a:fillRect/>
+          </a:stretch>
+        </p:blipFill>
+        <p:spPr>
+          <a:xfrm>
+            <a:off x="8486775" y="-15729"/>
+            <a:ext cx="636272" cy="636272"/>
+          </a:xfrm>
+          <a:prstGeom prst="rect">
+            <a:avLst/>
+          </a:prstGeom>
+        </p:spPr>
+      </p:pic>
     </p:spTree>
   </p:cSld>
   <p:clrMap bg1="lt1" tx1="dk1" bg2="lt2" tx2="dk2" accent1="accent1" accent2="accent2" accent3="accent3" accent4="accent4" accent5="accent5" accent6="accent6" hlink="hlink" folHlink="folHlink"/>
@@ -11777,6 +11813,42 @@
           </a:p>
         </p:txBody>
       </p:sp>
+      <p:pic>
+        <p:nvPicPr>
+          <p:cNvPr id="2" name="Grafik 1">
+            <a:extLst>
+              <a:ext uri="{FF2B5EF4-FFF2-40B4-BE49-F238E27FC236}">
+                <a16:creationId xmlns:a16="http://schemas.microsoft.com/office/drawing/2014/main" id="{C038212E-9F17-C17B-0B54-33B80674E401}"/>
+              </a:ext>
+            </a:extLst>
+          </p:cNvPr>
+          <p:cNvPicPr>
+            <a:picLocks noChangeAspect="1"/>
+          </p:cNvPicPr>
+          <p:nvPr userDrawn="1"/>
+        </p:nvPicPr>
+        <p:blipFill>
+          <a:blip r:embed="rId5">
+            <a:extLst>
+              <a:ext uri="{28A0092B-C50C-407E-A947-70E740481C1C}">
+                <a14:useLocalDpi xmlns:a14="http://schemas.microsoft.com/office/drawing/2010/main" val="0"/>
+              </a:ext>
+            </a:extLst>
+          </a:blip>
+          <a:stretch>
+            <a:fillRect/>
+          </a:stretch>
+        </p:blipFill>
+        <p:spPr>
+          <a:xfrm>
+            <a:off x="3383868" y="4481736"/>
+            <a:ext cx="2376264" cy="2376264"/>
+          </a:xfrm>
+          <a:prstGeom prst="rect">
+            <a:avLst/>
+          </a:prstGeom>
+        </p:spPr>
+      </p:pic>
     </p:spTree>
   </p:cSld>
   <p:clrMap bg1="lt1" tx1="dk1" bg2="lt2" tx2="dk2" accent1="accent1" accent2="accent2" accent3="accent3" accent4="accent4" accent5="accent5" accent6="accent6" hlink="hlink" folHlink="folHlink"/>

--- a/slides/Tag-2_3-GitLab-Runner.pptx
+++ b/slides/Tag-2_3-GitLab-Runner.pptx
@@ -10219,7 +10219,7 @@
               <a:pPr algn="ctr">
                 <a:defRPr/>
               </a:pPr>
-              <a:t>10.06.2024</a:t>
+              <a:t>11.06.2024</a:t>
             </a:fld>
             <a:endParaRPr lang="de-DE" sz="1000">
               <a:solidFill>
@@ -16027,16 +16027,10 @@
               <a:t>Projekt </a:t>
             </a:r>
             <a:r>
-              <a:rPr lang="de-DE" sz="1800">
-                <a:sym typeface="Wingdings" panose="05000000000000000000" pitchFamily="2" charset="2"/>
-              </a:rPr>
-              <a:t> Settings </a:t>
-            </a:r>
-            <a:r>
               <a:rPr lang="de-DE" sz="1800" dirty="0">
                 <a:sym typeface="Wingdings" panose="05000000000000000000" pitchFamily="2" charset="2"/>
               </a:rPr>
-              <a:t> CI/CD  Runners</a:t>
+              <a:t> Settings  CI/CD  Runners</a:t>
             </a:r>
           </a:p>
           <a:p>
@@ -16112,7 +16106,15 @@
             </a:pPr>
             <a:r>
               <a:rPr lang="de-DE" sz="2000" dirty="0"/>
-              <a:t>Plattform für Runner auswählen und gegeben Command im Terminal ausführen</a:t>
+              <a:t>Plattform für Runner auswählen und gegebenen Command (= </a:t>
+            </a:r>
+            <a:r>
+              <a:rPr lang="de-DE" sz="2000" dirty="0" err="1"/>
+              <a:t>Step</a:t>
+            </a:r>
+            <a:r>
+              <a:rPr lang="de-DE" sz="2000" dirty="0"/>
+              <a:t> 1) im Terminal ausführen</a:t>
             </a:r>
           </a:p>
           <a:p>
@@ -16130,7 +16132,15 @@
             </a:r>
             <a:r>
               <a:rPr lang="de-DE" sz="2000" dirty="0"/>
-              <a:t> auswählen (Shell, Docker, …)</a:t>
+              <a:t> auswählen (= </a:t>
+            </a:r>
+            <a:r>
+              <a:rPr lang="de-DE" sz="2000" dirty="0" err="1"/>
+              <a:t>Step</a:t>
+            </a:r>
+            <a:r>
+              <a:rPr lang="de-DE" sz="2000" dirty="0"/>
+              <a:t> 2: Shell, Docker, …)</a:t>
             </a:r>
           </a:p>
           <a:p>
@@ -16190,7 +16200,15 @@
             </a:r>
             <a:r>
               <a:rPr lang="de-DE" sz="2000" dirty="0"/>
-              <a:t> verifizieren </a:t>
+              <a:t> verifizieren (= </a:t>
+            </a:r>
+            <a:r>
+              <a:rPr lang="de-DE" sz="2000" dirty="0" err="1"/>
+              <a:t>Step</a:t>
+            </a:r>
+            <a:r>
+              <a:rPr lang="de-DE" sz="2000" dirty="0"/>
+              <a:t> 3) </a:t>
             </a:r>
           </a:p>
           <a:p>
@@ -16738,19 +16756,7 @@
               <a:rPr lang="de-DE" dirty="0">
                 <a:sym typeface="Wingdings" panose="05000000000000000000" pitchFamily="2" charset="2"/>
               </a:rPr>
-              <a:t>Weitere Runner </a:t>
-            </a:r>
-            <a:r>
-              <a:rPr lang="de-DE" dirty="0" err="1">
-                <a:sym typeface="Wingdings" panose="05000000000000000000" pitchFamily="2" charset="2"/>
-              </a:rPr>
-              <a:t>sindunter</a:t>
-            </a:r>
-            <a:r>
-              <a:rPr lang="de-DE" dirty="0">
-                <a:sym typeface="Wingdings" panose="05000000000000000000" pitchFamily="2" charset="2"/>
-              </a:rPr>
-              <a:t> ./</a:t>
+              <a:t>Weitere Runner sind unter ./</a:t>
             </a:r>
             <a:r>
               <a:rPr lang="de-DE" dirty="0" err="1">

--- a/slides/Tag-2_3-GitLab-Runner.pptx
+++ b/slides/Tag-2_3-GitLab-Runner.pptx
@@ -10502,7 +10502,7 @@
               <a:pPr algn="ctr">
                 <a:defRPr/>
               </a:pPr>
-              <a:t>12.06.2024</a:t>
+              <a:t>14.06.2024</a:t>
             </a:fld>
             <a:endParaRPr lang="de-DE" sz="1000">
               <a:solidFill>
@@ -10930,53 +10930,6 @@
       </p:sp>
       <p:sp>
         <p:nvSpPr>
-          <p:cNvPr id="1063" name="Rectangle 39">
-            <a:hlinkClick r:id="rId4"/>
-            <a:extLst>
-              <a:ext uri="{FF2B5EF4-FFF2-40B4-BE49-F238E27FC236}">
-                <a16:creationId xmlns:a16="http://schemas.microsoft.com/office/drawing/2014/main" id="{613611E0-DAA0-F230-CD0B-8592F1472163}"/>
-              </a:ext>
-            </a:extLst>
-          </p:cNvPr>
-          <p:cNvSpPr>
-            <a:spLocks noChangeArrowheads="1"/>
-          </p:cNvSpPr>
-          <p:nvPr userDrawn="1"/>
-        </p:nvSpPr>
-        <p:spPr bwMode="auto">
-          <a:xfrm>
-            <a:off x="3914775" y="3105150"/>
-            <a:ext cx="9144000" cy="461963"/>
-          </a:xfrm>
-          <a:prstGeom prst="rect">
-            <a:avLst/>
-          </a:prstGeom>
-          <a:noFill/>
-          <a:ln w="12700">
-            <a:noFill/>
-            <a:miter lim="800000"/>
-            <a:headEnd type="none" w="sm" len="sm"/>
-            <a:tailEnd type="none" w="sm" len="sm"/>
-          </a:ln>
-          <a:effectLst/>
-        </p:spPr>
-        <p:txBody>
-          <a:bodyPr>
-            <a:spAutoFit/>
-          </a:bodyPr>
-          <a:lstStyle/>
-          <a:p>
-            <a:pPr>
-              <a:defRPr/>
-            </a:pPr>
-            <a:endParaRPr lang="de-DE" dirty="0">
-              <a:latin typeface="Arial" pitchFamily="34" charset="0"/>
-            </a:endParaRPr>
-          </a:p>
-        </p:txBody>
-      </p:sp>
-      <p:sp>
-        <p:nvSpPr>
           <p:cNvPr id="1064" name="Rectangle 40">
             <a:extLst>
               <a:ext uri="{FF2B5EF4-FFF2-40B4-BE49-F238E27FC236}">
@@ -11182,7 +11135,7 @@
           <p:nvPr userDrawn="1"/>
         </p:nvPicPr>
         <p:blipFill>
-          <a:blip r:embed="rId5">
+          <a:blip r:embed="rId4">
             <a:extLst>
               <a:ext uri="{28A0092B-C50C-407E-A947-70E740481C1C}">
                 <a14:useLocalDpi xmlns:a14="http://schemas.microsoft.com/office/drawing/2010/main" val="0"/>
@@ -11242,7 +11195,7 @@
           <p:nvPr userDrawn="1"/>
         </p:nvPicPr>
         <p:blipFill>
-          <a:blip r:embed="rId6">
+          <a:blip r:embed="rId5">
             <a:extLst>
               <a:ext uri="{28A0092B-C50C-407E-A947-70E740481C1C}">
                 <a14:useLocalDpi xmlns:a14="http://schemas.microsoft.com/office/drawing/2010/main" val="0"/>
@@ -11366,7 +11319,7 @@
           <p:nvPr userDrawn="1"/>
         </p:nvPicPr>
         <p:blipFill>
-          <a:blip r:embed="rId7">
+          <a:blip r:embed="rId6">
             <a:extLst>
               <a:ext uri="{28A0092B-C50C-407E-A947-70E740481C1C}">
                 <a14:useLocalDpi xmlns:a14="http://schemas.microsoft.com/office/drawing/2010/main" val="0"/>
@@ -28010,25 +27963,12 @@
               <a:rPr lang="de-DE" dirty="0"/>
               <a:t> registrieren</a:t>
             </a:r>
-          </a:p>
-          <a:p>
-            <a:pPr marL="0" indent="0" algn="l">
-              <a:buNone/>
-            </a:pPr>
             <a:endParaRPr lang="de-DE" sz="1400" dirty="0">
               <a:latin typeface="+mj-lt"/>
             </a:endParaRPr>
           </a:p>
           <a:p>
-            <a:pPr marL="0" indent="0" algn="l">
-              <a:buNone/>
-            </a:pPr>
-            <a:endParaRPr lang="de-DE" sz="1400" dirty="0">
-              <a:latin typeface="+mj-lt"/>
-            </a:endParaRPr>
-          </a:p>
-          <a:p>
-            <a:pPr marL="0" indent="0" algn="l">
+            <a:pPr marL="0" indent="0" algn="r">
               <a:buNone/>
             </a:pPr>
             <a:r>

--- a/slides/Tag-2_3-GitLab-Runner.pptx
+++ b/slides/Tag-2_3-GitLab-Runner.pptx
@@ -10502,7 +10502,7 @@
               <a:pPr algn="ctr">
                 <a:defRPr/>
               </a:pPr>
-              <a:t>14.06.2024</a:t>
+              <a:t>17.06.2024</a:t>
             </a:fld>
             <a:endParaRPr lang="de-DE" sz="1000">
               <a:solidFill>
@@ -13665,54 +13665,39 @@
             </a:r>
           </a:p>
           <a:p>
-            <a:pPr>
-              <a:buFont typeface="Arial" panose="020B0604020202020204" pitchFamily="34" charset="0"/>
-              <a:buChar char="•"/>
-            </a:pPr>
-            <a:r>
-              <a:rPr lang="de-DE" dirty="0"/>
-              <a:t>Eigenen Project Runner benutzen</a:t>
-            </a:r>
-          </a:p>
-          <a:p>
-            <a:pPr>
-              <a:buFont typeface="Arial" panose="020B0604020202020204" pitchFamily="34" charset="0"/>
-              <a:buChar char="•"/>
+            <a:pPr marL="0" indent="0">
+              <a:buNone/>
+            </a:pPr>
+            <a:endParaRPr lang="de-DE" b="1" dirty="0"/>
+          </a:p>
+          <a:p>
+            <a:pPr marL="457200" indent="-457200">
+              <a:buFont typeface="+mj-lt"/>
+              <a:buAutoNum type="arabicPeriod"/>
+            </a:pPr>
+            <a:r>
+              <a:rPr lang="de-DE" dirty="0"/>
+              <a:t>Runner installieren</a:t>
+            </a:r>
+          </a:p>
+          <a:p>
+            <a:pPr marL="457200" indent="-457200">
+              <a:buFont typeface="+mj-lt"/>
+              <a:buAutoNum type="arabicPeriod"/>
+            </a:pPr>
+            <a:r>
+              <a:rPr lang="de-DE" dirty="0"/>
+              <a:t>Runner registrieren</a:t>
+            </a:r>
+          </a:p>
+          <a:p>
+            <a:pPr marL="457200" indent="-457200">
+              <a:buFont typeface="+mj-lt"/>
+              <a:buAutoNum type="arabicPeriod"/>
             </a:pPr>
             <a:r>
               <a:rPr lang="de-DE" dirty="0"/>
               <a:t>Runner verwalten</a:t>
-            </a:r>
-          </a:p>
-          <a:p>
-            <a:pPr>
-              <a:buFont typeface="Arial" panose="020B0604020202020204" pitchFamily="34" charset="0"/>
-              <a:buChar char="•"/>
-            </a:pPr>
-            <a:r>
-              <a:rPr lang="de-DE" dirty="0"/>
-              <a:t>Runner registrieren</a:t>
-            </a:r>
-          </a:p>
-          <a:p>
-            <a:pPr>
-              <a:buFont typeface="Arial" panose="020B0604020202020204" pitchFamily="34" charset="0"/>
-              <a:buChar char="•"/>
-            </a:pPr>
-            <a:r>
-              <a:rPr lang="de-DE" dirty="0" err="1"/>
-              <a:t>Executors</a:t>
-            </a:r>
-            <a:endParaRPr lang="de-DE" dirty="0"/>
-          </a:p>
-          <a:p>
-            <a:pPr>
-              <a:buFont typeface="Arial" panose="020B0604020202020204" pitchFamily="34" charset="0"/>
-              <a:buChar char="•"/>
-            </a:pPr>
-            <a:r>
-              <a:rPr lang="de-DE" dirty="0"/>
-              <a:t>Runner konfigurieren</a:t>
             </a:r>
           </a:p>
           <a:p>
@@ -13818,8 +13803,22 @@
             </a:pPr>
             <a:r>
               <a:rPr lang="de-DE" b="1" dirty="0"/>
-              <a:t>Live Demo: Project Runner installieren</a:t>
-            </a:r>
+              <a:t>Live Demo: </a:t>
+            </a:r>
+            <a:r>
+              <a:rPr lang="de-DE" b="1" dirty="0" err="1"/>
+              <a:t>GitLab</a:t>
+            </a:r>
+            <a:r>
+              <a:rPr lang="de-DE" b="1" dirty="0"/>
+              <a:t> Runner installieren</a:t>
+            </a:r>
+          </a:p>
+          <a:p>
+            <a:pPr marL="0" indent="0">
+              <a:buNone/>
+            </a:pPr>
+            <a:endParaRPr lang="de-DE" b="1" dirty="0"/>
           </a:p>
           <a:p>
             <a:pPr>
@@ -13827,12 +13826,8 @@
               <a:buChar char="•"/>
             </a:pPr>
             <a:r>
-              <a:rPr lang="de-DE" dirty="0" err="1"/>
-              <a:t>GitLab</a:t>
-            </a:r>
-            <a:r>
-              <a:rPr lang="de-DE" dirty="0"/>
-              <a:t> Runner installieren</a:t>
+              <a:rPr lang="de-DE" dirty="0"/>
+              <a:t>Project Runner installieren</a:t>
             </a:r>
           </a:p>
         </p:txBody>
@@ -16732,7 +16727,7 @@
               <a:rPr lang="de-DE" dirty="0">
                 <a:sym typeface="Wingdings" panose="05000000000000000000" pitchFamily="2" charset="2"/>
               </a:rPr>
-              <a:t>Installationsdatei herunterladen und in den erstellten Ordner kopieren.</a:t>
+              <a:t>Installationsdatei herunterladen und in den erstellten Ordner kopieren</a:t>
             </a:r>
           </a:p>
           <a:p>
@@ -16741,10 +16736,16 @@
               <a:buAutoNum type="arabicPeriod"/>
             </a:pPr>
             <a:r>
+              <a:rPr lang="de-DE" dirty="0" err="1">
+                <a:sym typeface="Wingdings" panose="05000000000000000000" pitchFamily="2" charset="2"/>
+              </a:rPr>
+              <a:t>Executable</a:t>
+            </a:r>
+            <a:r>
               <a:rPr lang="de-DE" dirty="0">
                 <a:sym typeface="Wingdings" panose="05000000000000000000" pitchFamily="2" charset="2"/>
               </a:rPr>
-              <a:t>Exe in gitlab-runner.exe umbenennen</a:t>
+              <a:t> in gitlab-runner.exe umbenennen</a:t>
             </a:r>
           </a:p>
           <a:p>
@@ -16784,6 +16785,60 @@
             </a:r>
           </a:p>
           <a:p>
+            <a:pPr marL="857250" lvl="1" indent="-457200">
+              <a:buFont typeface="+mj-lt"/>
+              <a:buAutoNum type="arabicPeriod"/>
+            </a:pPr>
+            <a:r>
+              <a:rPr lang="de-DE" dirty="0">
+                <a:sym typeface="Wingdings" panose="05000000000000000000" pitchFamily="2" charset="2"/>
+              </a:rPr>
+              <a:t>cd C:\Gitlab-Runner</a:t>
+            </a:r>
+          </a:p>
+          <a:p>
+            <a:pPr marL="857250" lvl="1" indent="-457200">
+              <a:buFont typeface="+mj-lt"/>
+              <a:buAutoNum type="arabicPeriod"/>
+            </a:pPr>
+            <a:r>
+              <a:rPr lang="de-DE" dirty="0">
+                <a:sym typeface="Wingdings" panose="05000000000000000000" pitchFamily="2" charset="2"/>
+              </a:rPr>
+              <a:t>gitlab-runner.exe </a:t>
+            </a:r>
+            <a:r>
+              <a:rPr lang="de-DE" dirty="0" err="1">
+                <a:sym typeface="Wingdings" panose="05000000000000000000" pitchFamily="2" charset="2"/>
+              </a:rPr>
+              <a:t>install</a:t>
+            </a:r>
+            <a:endParaRPr lang="de-DE" dirty="0">
+              <a:sym typeface="Wingdings" panose="05000000000000000000" pitchFamily="2" charset="2"/>
+            </a:endParaRPr>
+          </a:p>
+          <a:p>
+            <a:pPr marL="857250" lvl="1" indent="-457200">
+              <a:buFont typeface="+mj-lt"/>
+              <a:buAutoNum type="arabicPeriod"/>
+            </a:pPr>
+            <a:r>
+              <a:rPr lang="de-DE" dirty="0">
+                <a:sym typeface="Wingdings" panose="05000000000000000000" pitchFamily="2" charset="2"/>
+              </a:rPr>
+              <a:t>gitlab-runner.exe </a:t>
+            </a:r>
+            <a:r>
+              <a:rPr lang="de-DE" dirty="0" err="1">
+                <a:sym typeface="Wingdings" panose="05000000000000000000" pitchFamily="2" charset="2"/>
+              </a:rPr>
+              <a:t>start</a:t>
+            </a:r>
+            <a:endParaRPr lang="de-DE" dirty="0">
+              <a:sym typeface="Wingdings" panose="05000000000000000000" pitchFamily="2" charset="2"/>
+            </a:endParaRPr>
+          </a:p>
+          <a:p>
             <a:pPr marL="457200" indent="-457200">
               <a:buFont typeface="+mj-lt"/>
               <a:buAutoNum type="arabicPeriod"/>
@@ -16792,84 +16847,6 @@
               <a:rPr lang="de-DE" dirty="0">
                 <a:sym typeface="Wingdings" panose="05000000000000000000" pitchFamily="2" charset="2"/>
               </a:rPr>
-              <a:t>Runner als Service installieren über die </a:t>
-            </a:r>
-            <a:r>
-              <a:rPr lang="de-DE" dirty="0" err="1">
-                <a:sym typeface="Wingdings" panose="05000000000000000000" pitchFamily="2" charset="2"/>
-              </a:rPr>
-              <a:t>Powershell</a:t>
-            </a:r>
-            <a:r>
-              <a:rPr lang="de-DE" dirty="0">
-                <a:sym typeface="Wingdings" panose="05000000000000000000" pitchFamily="2" charset="2"/>
-              </a:rPr>
-              <a:t>:</a:t>
-            </a:r>
-          </a:p>
-          <a:p>
-            <a:pPr marL="857250" lvl="1" indent="-457200">
-              <a:buFont typeface="+mj-lt"/>
-              <a:buAutoNum type="arabicPeriod"/>
-            </a:pPr>
-            <a:r>
-              <a:rPr lang="de-DE" dirty="0">
-                <a:sym typeface="Wingdings" panose="05000000000000000000" pitchFamily="2" charset="2"/>
-              </a:rPr>
-              <a:t>cd C:\Gitlab-Runner</a:t>
-            </a:r>
-          </a:p>
-          <a:p>
-            <a:pPr marL="857250" lvl="1" indent="-457200">
-              <a:buFont typeface="+mj-lt"/>
-              <a:buAutoNum type="arabicPeriod"/>
-            </a:pPr>
-            <a:r>
-              <a:rPr lang="de-DE" dirty="0">
-                <a:sym typeface="Wingdings" panose="05000000000000000000" pitchFamily="2" charset="2"/>
-              </a:rPr>
-              <a:t>./gitlab-runner.exe </a:t>
-            </a:r>
-            <a:r>
-              <a:rPr lang="de-DE" dirty="0" err="1">
-                <a:sym typeface="Wingdings" panose="05000000000000000000" pitchFamily="2" charset="2"/>
-              </a:rPr>
-              <a:t>install</a:t>
-            </a:r>
-            <a:endParaRPr lang="de-DE" dirty="0">
-              <a:sym typeface="Wingdings" panose="05000000000000000000" pitchFamily="2" charset="2"/>
-            </a:endParaRPr>
-          </a:p>
-          <a:p>
-            <a:pPr marL="857250" lvl="1" indent="-457200">
-              <a:buFont typeface="+mj-lt"/>
-              <a:buAutoNum type="arabicPeriod"/>
-            </a:pPr>
-            <a:r>
-              <a:rPr lang="de-DE" dirty="0">
-                <a:sym typeface="Wingdings" panose="05000000000000000000" pitchFamily="2" charset="2"/>
-              </a:rPr>
-              <a:t>./gitlab-runner.exe </a:t>
-            </a:r>
-            <a:r>
-              <a:rPr lang="de-DE" dirty="0" err="1">
-                <a:sym typeface="Wingdings" panose="05000000000000000000" pitchFamily="2" charset="2"/>
-              </a:rPr>
-              <a:t>start</a:t>
-            </a:r>
-            <a:endParaRPr lang="de-DE" dirty="0">
-              <a:sym typeface="Wingdings" panose="05000000000000000000" pitchFamily="2" charset="2"/>
-            </a:endParaRPr>
-          </a:p>
-          <a:p>
-            <a:pPr marL="457200" indent="-457200">
-              <a:buFont typeface="+mj-lt"/>
-              <a:buAutoNum type="arabicPeriod"/>
-            </a:pPr>
-            <a:r>
-              <a:rPr lang="de-DE" dirty="0">
-                <a:sym typeface="Wingdings" panose="05000000000000000000" pitchFamily="2" charset="2"/>
-              </a:rPr>
               <a:t>Service läuft nun</a:t>
             </a:r>
             <a:br>
@@ -16881,7 +16858,7 @@
               <a:rPr lang="de-DE" sz="2000" dirty="0">
                 <a:sym typeface="Wingdings" panose="05000000000000000000" pitchFamily="2" charset="2"/>
               </a:rPr>
-              <a:t>Weitere Runner sind unter ./</a:t>
+              <a:t>Weitere Runner sind in </a:t>
             </a:r>
             <a:r>
               <a:rPr lang="de-DE" sz="2000" dirty="0" err="1">
@@ -21735,24 +21712,6 @@
             </a:pPr>
             <a:r>
               <a:rPr lang="de-DE" dirty="0"/>
-              <a:t>Installieren Sie lokal den </a:t>
-            </a:r>
-            <a:r>
-              <a:rPr lang="de-DE" dirty="0" err="1"/>
-              <a:t>GitLab</a:t>
-            </a:r>
-            <a:r>
-              <a:rPr lang="de-DE" dirty="0"/>
-              <a:t> Runner</a:t>
-            </a:r>
-          </a:p>
-          <a:p>
-            <a:pPr marL="857250" lvl="1" indent="-457200">
-              <a:buFont typeface="Arial" panose="020B0604020202020204" pitchFamily="34" charset="0"/>
-              <a:buChar char="•"/>
-            </a:pPr>
-            <a:r>
-              <a:rPr lang="de-DE" dirty="0"/>
               <a:t>Erstellen oder nutzen Sie Ihr eigenes Projekt</a:t>
             </a:r>
           </a:p>
@@ -29055,7 +29014,7 @@
             </a:pPr>
             <a:r>
               <a:rPr lang="de-DE" dirty="0"/>
-              <a:t>Reihenfolge bei paralleler Ausführung der Jobs</a:t>
+              <a:t>Reihenfolge bei paralleler (unabhängiger) Ausführung der Jobs</a:t>
             </a:r>
           </a:p>
           <a:p>
@@ -29102,7 +29061,7 @@
         </p:nvSpPr>
         <p:spPr bwMode="auto">
           <a:xfrm>
-            <a:off x="302233" y="1988840"/>
+            <a:off x="279602" y="2420888"/>
             <a:ext cx="7128470" cy="2677656"/>
           </a:xfrm>
           <a:prstGeom prst="rect">
@@ -30030,7 +29989,7 @@
             </a:pPr>
             <a:r>
               <a:rPr lang="de-DE" dirty="0"/>
-              <a:t>Reihenfolge bei sequenzieller Ausführung der Jobs</a:t>
+              <a:t>Reihenfolge bei sequenzieller (abhängiger) Ausführung der Jobs</a:t>
             </a:r>
           </a:p>
           <a:p>
@@ -30077,7 +30036,7 @@
         </p:nvSpPr>
         <p:spPr bwMode="auto">
           <a:xfrm>
-            <a:off x="285720" y="1916832"/>
+            <a:off x="323850" y="2342584"/>
             <a:ext cx="3251211" cy="2677656"/>
           </a:xfrm>
           <a:prstGeom prst="rect">
@@ -32181,7 +32140,7 @@
             </a:pPr>
             <a:r>
               <a:rPr lang="de-DE" dirty="0"/>
-              <a:t>Repos enthalten Anwendungscode und Pipeline-Konfiguration</a:t>
+              <a:t>Repos enthalten Anwendungscode und Pipeline-Definitionen</a:t>
             </a:r>
           </a:p>
           <a:p>
@@ -32199,7 +32158,7 @@
             </a:r>
             <a:r>
               <a:rPr lang="de-DE" dirty="0"/>
-              <a:t>-Konfigurationen</a:t>
+              <a:t>-Konfiguration über GUI</a:t>
             </a:r>
           </a:p>
           <a:p>
@@ -32209,7 +32168,7 @@
             </a:pPr>
             <a:r>
               <a:rPr lang="de-DE" dirty="0"/>
-              <a:t>Verwaltet die Pipeline-Ausführungen</a:t>
+              <a:t>Steuerung die Pipeline-Ausführung</a:t>
             </a:r>
           </a:p>
           <a:p>
